--- a/src/files/Delfinen_mockup.pptx
+++ b/src/files/Delfinen_mockup.pptx
@@ -6,6 +6,10 @@
   </p:sldMasterIdLst>
   <p:sldIdLst>
     <p:sldId id="256" r:id="rId3"/>
+    <p:sldId id="257" r:id="rId4"/>
+    <p:sldId id="258" r:id="rId5"/>
+    <p:sldId id="259" r:id="rId6"/>
+    <p:sldId id="260" r:id="rId7"/>
   </p:sldIdLst>
   <p:sldSz cx="10080625" cy="5670550"/>
   <p:notesSz cx="7559675" cy="10691812"/>
@@ -1435,7 +1439,19 @@
               <a:rPr b="0" lang="da-DK" sz="3200" spc="-1" strike="noStrike">
                 <a:latin typeface="Arial"/>
               </a:rPr>
-              <a:t>Klik for at redigere dispositionstekstens format</a:t>
+              <a:t>Klik for at redigere </a:t>
+            </a:r>
+            <a:r>
+              <a:rPr b="0" lang="da-DK" sz="3200" spc="-1" strike="noStrike">
+                <a:latin typeface="Arial"/>
+              </a:rPr>
+              <a:t>dispositionstekstens </a:t>
+            </a:r>
+            <a:r>
+              <a:rPr b="0" lang="da-DK" sz="3200" spc="-1" strike="noStrike">
+                <a:latin typeface="Arial"/>
+              </a:rPr>
+              <a:t>format</a:t>
             </a:r>
             <a:endParaRPr b="0" lang="da-DK" sz="3200" spc="-1" strike="noStrike">
               <a:latin typeface="Arial"/>
@@ -1545,7 +1561,13 @@
               <a:rPr b="0" lang="da-DK" sz="2000" spc="-1" strike="noStrike">
                 <a:latin typeface="Arial"/>
               </a:rPr>
-              <a:t>Sjette dispositionsniveau</a:t>
+              <a:t>Sjette </a:t>
+            </a:r>
+            <a:r>
+              <a:rPr b="0" lang="da-DK" sz="2000" spc="-1" strike="noStrike">
+                <a:latin typeface="Arial"/>
+              </a:rPr>
+              <a:t>dispositionsniveau</a:t>
             </a:r>
             <a:endParaRPr b="0" lang="da-DK" sz="2000" spc="-1" strike="noStrike">
               <a:latin typeface="Arial"/>
@@ -1567,7 +1589,13 @@
               <a:rPr b="0" lang="da-DK" sz="2000" spc="-1" strike="noStrike">
                 <a:latin typeface="Arial"/>
               </a:rPr>
-              <a:t>Syvende dispositionsniveau</a:t>
+              <a:t>Syvende </a:t>
+            </a:r>
+            <a:r>
+              <a:rPr b="0" lang="da-DK" sz="2000" spc="-1" strike="noStrike">
+                <a:latin typeface="Arial"/>
+              </a:rPr>
+              <a:t>dispositionsniveau</a:t>
             </a:r>
             <a:endParaRPr b="0" lang="da-DK" sz="2000" spc="-1" strike="noStrike">
               <a:latin typeface="Arial"/>
@@ -1667,7 +1695,7 @@
           <a:bodyPr lIns="0" rIns="0" tIns="0" bIns="0"/>
           <a:p>
             <a:pPr algn="r"/>
-            <a:fld id="{BF80E6F0-022B-43CB-846D-C6CCFF093CF4}" type="slidenum">
+            <a:fld id="{A51812B9-18EC-4C44-A437-DE98C2C83479}" type="slidenum">
               <a:rPr b="0" lang="da-DK" sz="1400" spc="-1" strike="noStrike">
                 <a:latin typeface="Times New Roman"/>
               </a:rPr>
@@ -1759,8 +1787,8 @@
         </p:nvSpPr>
         <p:spPr>
           <a:xfrm>
-            <a:off x="504000" y="1326600"/>
-            <a:ext cx="2920680" cy="1568160"/>
+            <a:off x="2592000" y="1296000"/>
+            <a:ext cx="5544000" cy="1841400"/>
           </a:xfrm>
           <a:prstGeom prst="rect">
             <a:avLst/>
@@ -1775,156 +1803,70 @@
             <a:normAutofit/>
           </a:bodyPr>
           <a:p>
+            <a:pPr marL="432000" indent="-324000">
+              <a:spcBef>
+                <a:spcPts val="1417"/>
+              </a:spcBef>
+              <a:buClr>
+                <a:srgbClr val="000000"/>
+              </a:buClr>
+              <a:buSzPct val="45000"/>
+              <a:buFont typeface="Wingdings" charset="2"/>
+              <a:buChar char=""/>
+            </a:pPr>
+            <a:r>
+              <a:rPr b="0" lang="da-DK" sz="3200" spc="-1" strike="noStrike">
+                <a:latin typeface="Arial"/>
+                <a:hlinkClick r:id="rId1"/>
+              </a:rPr>
+              <a:t>Medlemmer</a:t>
+            </a:r>
             <a:endParaRPr b="0" lang="da-DK" sz="3200" spc="-1" strike="noStrike">
               <a:latin typeface="Arial"/>
             </a:endParaRPr>
           </a:p>
-        </p:txBody>
-      </p:sp>
-      <p:sp>
-        <p:nvSpPr>
-          <p:cNvPr id="43" name="TextShape 3"/>
-          <p:cNvSpPr txBox="1"/>
-          <p:nvPr/>
-        </p:nvSpPr>
-        <p:spPr>
-          <a:xfrm>
-            <a:off x="3571200" y="1326600"/>
-            <a:ext cx="2920680" cy="1568160"/>
-          </a:xfrm>
-          <a:prstGeom prst="rect">
-            <a:avLst/>
-          </a:prstGeom>
-          <a:noFill/>
-          <a:ln>
-            <a:noFill/>
-          </a:ln>
-        </p:spPr>
-        <p:txBody>
-          <a:bodyPr lIns="0" rIns="0" tIns="0" bIns="0">
-            <a:normAutofit/>
-          </a:bodyPr>
-          <a:p>
+          <a:p>
+            <a:pPr marL="432000" indent="-324000">
+              <a:spcBef>
+                <a:spcPts val="1417"/>
+              </a:spcBef>
+              <a:buClr>
+                <a:srgbClr val="000000"/>
+              </a:buClr>
+              <a:buSzPct val="45000"/>
+              <a:buFont typeface="Wingdings" charset="2"/>
+              <a:buChar char=""/>
+            </a:pPr>
+            <a:r>
+              <a:rPr b="0" lang="da-DK" sz="3200" spc="-1" strike="noStrike">
+                <a:latin typeface="Arial"/>
+                <a:hlinkClick r:id="rId2"/>
+              </a:rPr>
+              <a:t>Kontingent</a:t>
+            </a:r>
             <a:endParaRPr b="0" lang="da-DK" sz="3200" spc="-1" strike="noStrike">
               <a:latin typeface="Arial"/>
             </a:endParaRPr>
           </a:p>
-        </p:txBody>
-      </p:sp>
-      <p:sp>
-        <p:nvSpPr>
-          <p:cNvPr id="44" name="TextShape 4"/>
-          <p:cNvSpPr txBox="1"/>
-          <p:nvPr/>
-        </p:nvSpPr>
-        <p:spPr>
-          <a:xfrm>
-            <a:off x="6638040" y="1326600"/>
-            <a:ext cx="2920680" cy="1568160"/>
-          </a:xfrm>
-          <a:prstGeom prst="rect">
-            <a:avLst/>
-          </a:prstGeom>
-          <a:noFill/>
-          <a:ln>
-            <a:noFill/>
-          </a:ln>
-        </p:spPr>
-        <p:txBody>
-          <a:bodyPr lIns="0" rIns="0" tIns="0" bIns="0">
-            <a:normAutofit/>
-          </a:bodyPr>
-          <a:p>
-            <a:endParaRPr b="0" lang="da-DK" sz="3200" spc="-1" strike="noStrike">
-              <a:latin typeface="Arial"/>
-            </a:endParaRPr>
-          </a:p>
-        </p:txBody>
-      </p:sp>
-      <p:sp>
-        <p:nvSpPr>
-          <p:cNvPr id="45" name="TextShape 5"/>
-          <p:cNvSpPr txBox="1"/>
-          <p:nvPr/>
-        </p:nvSpPr>
-        <p:spPr>
-          <a:xfrm>
-            <a:off x="504000" y="3044160"/>
-            <a:ext cx="2920680" cy="1568160"/>
-          </a:xfrm>
-          <a:prstGeom prst="rect">
-            <a:avLst/>
-          </a:prstGeom>
-          <a:noFill/>
-          <a:ln>
-            <a:noFill/>
-          </a:ln>
-        </p:spPr>
-        <p:txBody>
-          <a:bodyPr lIns="0" rIns="0" tIns="0" bIns="0">
-            <a:normAutofit/>
-          </a:bodyPr>
-          <a:p>
-            <a:endParaRPr b="0" lang="da-DK" sz="3200" spc="-1" strike="noStrike">
-              <a:latin typeface="Arial"/>
-            </a:endParaRPr>
-          </a:p>
-        </p:txBody>
-      </p:sp>
-      <p:sp>
-        <p:nvSpPr>
-          <p:cNvPr id="46" name="TextShape 6"/>
-          <p:cNvSpPr txBox="1"/>
-          <p:nvPr/>
-        </p:nvSpPr>
-        <p:spPr>
-          <a:xfrm>
-            <a:off x="3571200" y="3044160"/>
-            <a:ext cx="2920680" cy="1568160"/>
-          </a:xfrm>
-          <a:prstGeom prst="rect">
-            <a:avLst/>
-          </a:prstGeom>
-          <a:noFill/>
-          <a:ln>
-            <a:noFill/>
-          </a:ln>
-        </p:spPr>
-        <p:txBody>
-          <a:bodyPr lIns="0" rIns="0" tIns="0" bIns="0">
-            <a:normAutofit/>
-          </a:bodyPr>
-          <a:p>
-            <a:endParaRPr b="0" lang="da-DK" sz="3200" spc="-1" strike="noStrike">
-              <a:latin typeface="Arial"/>
-            </a:endParaRPr>
-          </a:p>
-        </p:txBody>
-      </p:sp>
-      <p:sp>
-        <p:nvSpPr>
-          <p:cNvPr id="47" name="TextShape 7"/>
-          <p:cNvSpPr txBox="1"/>
-          <p:nvPr/>
-        </p:nvSpPr>
-        <p:spPr>
-          <a:xfrm>
-            <a:off x="6638040" y="3044160"/>
-            <a:ext cx="2920680" cy="1568160"/>
-          </a:xfrm>
-          <a:prstGeom prst="rect">
-            <a:avLst/>
-          </a:prstGeom>
-          <a:noFill/>
-          <a:ln>
-            <a:noFill/>
-          </a:ln>
-        </p:spPr>
-        <p:txBody>
-          <a:bodyPr lIns="0" rIns="0" tIns="0" bIns="0">
-            <a:normAutofit/>
-          </a:bodyPr>
-          <a:p>
+          <a:p>
+            <a:pPr marL="432000" indent="-324000">
+              <a:spcBef>
+                <a:spcPts val="1417"/>
+              </a:spcBef>
+              <a:buClr>
+                <a:srgbClr val="000000"/>
+              </a:buClr>
+              <a:buSzPct val="45000"/>
+              <a:buFont typeface="Wingdings" charset="2"/>
+              <a:buChar char=""/>
+            </a:pPr>
+            <a:r>
+              <a:rPr b="0" lang="da-DK" sz="3200" spc="-1" strike="noStrike">
+                <a:latin typeface="Arial"/>
+                <a:hlinkClick r:id="rId3"/>
+              </a:rPr>
+              <a:t>Svømmeresultater</a:t>
+            </a:r>
             <a:endParaRPr b="0" lang="da-DK" sz="3200" spc="-1" strike="noStrike">
               <a:latin typeface="Arial"/>
             </a:endParaRPr>
@@ -1940,6 +1882,1920 @@
           <p:childTnLst>
             <p:seq>
               <p:cTn id="2" dur="indefinite" nodeType="mainSeq"/>
+              <p:prevCondLst>
+                <p:cond delay="0" evt="onPrev">
+                  <p:tgtEl>
+                    <p:sldTgt/>
+                  </p:tgtEl>
+                </p:cond>
+              </p:prevCondLst>
+              <p:nextCondLst>
+                <p:cond delay="0" evt="onNext">
+                  <p:tgtEl>
+                    <p:sldTgt/>
+                  </p:tgtEl>
+                </p:cond>
+              </p:nextCondLst>
+            </p:seq>
+          </p:childTnLst>
+        </p:cTn>
+      </p:par>
+    </p:tnLst>
+  </p:timing>
+</p:sld>
+</file>
+
+<file path=ppt/slides/slide2.xml><?xml version="1.0" encoding="utf-8"?>
+<p:sld xmlns:a="http://schemas.openxmlformats.org/drawingml/2006/main" xmlns:p="http://schemas.openxmlformats.org/presentationml/2006/main" xmlns:r="http://schemas.openxmlformats.org/officeDocument/2006/relationships" xmlns:p14="http://schemas.microsoft.com/office/powerpoint/2010/main" xmlns:p15="http://schemas.microsoft.com/office/powerpoint/2012/main" xmlns:mc="http://schemas.openxmlformats.org/markup-compatibility/2006">
+  <p:cSld>
+    <p:spTree>
+      <p:nvGrpSpPr>
+        <p:cNvPr id="1" name=""/>
+        <p:cNvGrpSpPr/>
+        <p:nvPr/>
+      </p:nvGrpSpPr>
+      <p:grpSpPr>
+        <a:xfrm>
+          <a:off x="0" y="0"/>
+          <a:ext cx="0" cy="0"/>
+          <a:chOff x="0" y="0"/>
+          <a:chExt cx="0" cy="0"/>
+        </a:xfrm>
+      </p:grpSpPr>
+      <p:sp>
+        <p:nvSpPr>
+          <p:cNvPr id="43" name="TextShape 1"/>
+          <p:cNvSpPr txBox="1"/>
+          <p:nvPr/>
+        </p:nvSpPr>
+        <p:spPr>
+          <a:xfrm>
+            <a:off x="504000" y="226080"/>
+            <a:ext cx="9071640" cy="946440"/>
+          </a:xfrm>
+          <a:prstGeom prst="rect">
+            <a:avLst/>
+          </a:prstGeom>
+          <a:noFill/>
+          <a:ln>
+            <a:noFill/>
+          </a:ln>
+        </p:spPr>
+        <p:txBody>
+          <a:bodyPr lIns="0" rIns="0" tIns="0" bIns="0" anchor="ctr"/>
+          <a:p>
+            <a:pPr algn="ctr"/>
+            <a:r>
+              <a:rPr b="0" lang="da-DK" sz="4400" spc="-1" strike="noStrike">
+                <a:latin typeface="Arial"/>
+              </a:rPr>
+              <a:t>Medlemsoplysninger</a:t>
+            </a:r>
+            <a:endParaRPr b="0" lang="da-DK" sz="4400" spc="-1" strike="noStrike">
+              <a:latin typeface="Arial"/>
+            </a:endParaRPr>
+          </a:p>
+        </p:txBody>
+      </p:sp>
+      <p:sp>
+        <p:nvSpPr>
+          <p:cNvPr id="44" name="TextShape 2"/>
+          <p:cNvSpPr txBox="1"/>
+          <p:nvPr/>
+        </p:nvSpPr>
+        <p:spPr>
+          <a:xfrm>
+            <a:off x="2376000" y="1296000"/>
+            <a:ext cx="5184000" cy="1841400"/>
+          </a:xfrm>
+          <a:prstGeom prst="rect">
+            <a:avLst/>
+          </a:prstGeom>
+          <a:noFill/>
+          <a:ln>
+            <a:noFill/>
+          </a:ln>
+        </p:spPr>
+        <p:txBody>
+          <a:bodyPr lIns="0" rIns="0" tIns="0" bIns="0">
+            <a:normAutofit/>
+          </a:bodyPr>
+          <a:p>
+            <a:pPr marL="432000" indent="-324000">
+              <a:spcBef>
+                <a:spcPts val="1417"/>
+              </a:spcBef>
+              <a:buClr>
+                <a:srgbClr val="000000"/>
+              </a:buClr>
+              <a:buSzPct val="45000"/>
+              <a:buFont typeface="Wingdings" charset="2"/>
+              <a:buChar char=""/>
+            </a:pPr>
+            <a:r>
+              <a:rPr b="0" lang="da-DK" sz="3200" spc="-1" strike="noStrike">
+                <a:latin typeface="Arial"/>
+              </a:rPr>
+              <a:t>Medlemsoversigt</a:t>
+            </a:r>
+            <a:endParaRPr b="0" lang="da-DK" sz="3200" spc="-1" strike="noStrike">
+              <a:latin typeface="Arial"/>
+            </a:endParaRPr>
+          </a:p>
+          <a:p>
+            <a:pPr marL="432000" indent="-324000">
+              <a:spcBef>
+                <a:spcPts val="1417"/>
+              </a:spcBef>
+              <a:buClr>
+                <a:srgbClr val="000000"/>
+              </a:buClr>
+              <a:buSzPct val="45000"/>
+              <a:buFont typeface="Wingdings" charset="2"/>
+              <a:buChar char=""/>
+            </a:pPr>
+            <a:r>
+              <a:rPr b="0" lang="da-DK" sz="3200" spc="-1" strike="noStrike">
+                <a:latin typeface="Arial"/>
+              </a:rPr>
+              <a:t>Top 5 svømmere</a:t>
+            </a:r>
+            <a:endParaRPr b="0" lang="da-DK" sz="3200" spc="-1" strike="noStrike">
+              <a:latin typeface="Arial"/>
+            </a:endParaRPr>
+          </a:p>
+          <a:p>
+            <a:pPr marL="432000" indent="-324000">
+              <a:spcBef>
+                <a:spcPts val="1417"/>
+              </a:spcBef>
+              <a:buClr>
+                <a:srgbClr val="000000"/>
+              </a:buClr>
+              <a:buSzPct val="45000"/>
+              <a:buFont typeface="Wingdings" charset="2"/>
+              <a:buChar char=""/>
+            </a:pPr>
+            <a:r>
+              <a:rPr b="0" lang="da-DK" sz="3200" spc="-1" strike="noStrike">
+                <a:latin typeface="Arial"/>
+              </a:rPr>
+              <a:t>Administrer medlemmer</a:t>
+            </a:r>
+            <a:endParaRPr b="0" lang="da-DK" sz="3200" spc="-1" strike="noStrike">
+              <a:latin typeface="Arial"/>
+            </a:endParaRPr>
+          </a:p>
+        </p:txBody>
+      </p:sp>
+      <p:sp>
+        <p:nvSpPr>
+          <p:cNvPr id="45" name="TextShape 3"/>
+          <p:cNvSpPr txBox="1"/>
+          <p:nvPr/>
+        </p:nvSpPr>
+        <p:spPr>
+          <a:xfrm>
+            <a:off x="572400" y="4961520"/>
+            <a:ext cx="1299600" cy="438840"/>
+          </a:xfrm>
+          <a:prstGeom prst="rect">
+            <a:avLst/>
+          </a:prstGeom>
+          <a:noFill/>
+          <a:ln>
+            <a:noFill/>
+          </a:ln>
+        </p:spPr>
+        <p:txBody>
+          <a:bodyPr lIns="0" rIns="0" tIns="0" bIns="0">
+            <a:normAutofit/>
+          </a:bodyPr>
+          <a:p>
+            <a:pPr marL="432000" indent="-324000">
+              <a:spcBef>
+                <a:spcPts val="1417"/>
+              </a:spcBef>
+              <a:buClr>
+                <a:srgbClr val="000000"/>
+              </a:buClr>
+              <a:buSzPct val="45000"/>
+              <a:buFont typeface="Wingdings" charset="2"/>
+              <a:buChar char=""/>
+            </a:pPr>
+            <a:r>
+              <a:rPr b="0" lang="da-DK" sz="2200" spc="-1" strike="noStrike">
+                <a:latin typeface="Arial"/>
+              </a:rPr>
+              <a:t>Back</a:t>
+            </a:r>
+            <a:endParaRPr b="0" lang="da-DK" sz="2200" spc="-1" strike="noStrike">
+              <a:latin typeface="Arial"/>
+            </a:endParaRPr>
+          </a:p>
+        </p:txBody>
+      </p:sp>
+    </p:spTree>
+  </p:cSld>
+  <p:timing>
+    <p:tnLst>
+      <p:par>
+        <p:cTn id="3" dur="indefinite" restart="never" nodeType="tmRoot">
+          <p:childTnLst>
+            <p:seq>
+              <p:cTn id="4" dur="indefinite" nodeType="mainSeq"/>
+              <p:prevCondLst>
+                <p:cond delay="0" evt="onPrev">
+                  <p:tgtEl>
+                    <p:sldTgt/>
+                  </p:tgtEl>
+                </p:cond>
+              </p:prevCondLst>
+              <p:nextCondLst>
+                <p:cond delay="0" evt="onNext">
+                  <p:tgtEl>
+                    <p:sldTgt/>
+                  </p:tgtEl>
+                </p:cond>
+              </p:nextCondLst>
+            </p:seq>
+          </p:childTnLst>
+        </p:cTn>
+      </p:par>
+    </p:tnLst>
+  </p:timing>
+</p:sld>
+</file>
+
+<file path=ppt/slides/slide3.xml><?xml version="1.0" encoding="utf-8"?>
+<p:sld xmlns:a="http://schemas.openxmlformats.org/drawingml/2006/main" xmlns:p="http://schemas.openxmlformats.org/presentationml/2006/main" xmlns:r="http://schemas.openxmlformats.org/officeDocument/2006/relationships" xmlns:p14="http://schemas.microsoft.com/office/powerpoint/2010/main" xmlns:p15="http://schemas.microsoft.com/office/powerpoint/2012/main" xmlns:mc="http://schemas.openxmlformats.org/markup-compatibility/2006">
+  <p:cSld>
+    <p:spTree>
+      <p:nvGrpSpPr>
+        <p:cNvPr id="1" name=""/>
+        <p:cNvGrpSpPr/>
+        <p:nvPr/>
+      </p:nvGrpSpPr>
+      <p:grpSpPr>
+        <a:xfrm>
+          <a:off x="0" y="0"/>
+          <a:ext cx="0" cy="0"/>
+          <a:chOff x="0" y="0"/>
+          <a:chExt cx="0" cy="0"/>
+        </a:xfrm>
+      </p:grpSpPr>
+      <p:sp>
+        <p:nvSpPr>
+          <p:cNvPr id="46" name="CustomShape 1"/>
+          <p:cNvSpPr/>
+          <p:nvPr/>
+        </p:nvSpPr>
+        <p:spPr>
+          <a:xfrm>
+            <a:off x="5400000" y="2111760"/>
+            <a:ext cx="4426920" cy="3288240"/>
+          </a:xfrm>
+          <a:prstGeom prst="rect">
+            <a:avLst/>
+          </a:prstGeom>
+          <a:solidFill>
+            <a:srgbClr val="ffffff"/>
+          </a:solidFill>
+          <a:ln>
+            <a:solidFill>
+              <a:srgbClr val="3465a4"/>
+            </a:solidFill>
+          </a:ln>
+        </p:spPr>
+        <p:style>
+          <a:lnRef idx="0"/>
+          <a:fillRef idx="0"/>
+          <a:effectRef idx="0"/>
+          <a:fontRef idx="minor"/>
+        </p:style>
+        <p:txBody>
+          <a:bodyPr wrap="none" lIns="90000" rIns="90000" tIns="45000" bIns="45000"/>
+          <a:p>
+            <a:r>
+              <a:rPr b="1" lang="da-DK" sz="1800" spc="-1" strike="noStrike">
+                <a:latin typeface="Arial"/>
+              </a:rPr>
+              <a:t>Restance oversigt:</a:t>
+            </a:r>
+            <a:endParaRPr b="0" lang="da-DK" sz="1800" spc="-1" strike="noStrike">
+              <a:latin typeface="Arial"/>
+            </a:endParaRPr>
+          </a:p>
+          <a:p>
+            <a:r>
+              <a:rPr b="0" lang="da-DK" sz="1800" spc="-1" strike="noStrike">
+                <a:latin typeface="Arial"/>
+              </a:rPr>
+              <a:t>Louise Pedersen skylder 600 kr</a:t>
+            </a:r>
+            <a:endParaRPr b="0" lang="da-DK" sz="1800" spc="-1" strike="noStrike">
+              <a:latin typeface="Arial"/>
+            </a:endParaRPr>
+          </a:p>
+        </p:txBody>
+      </p:sp>
+      <p:sp>
+        <p:nvSpPr>
+          <p:cNvPr id="47" name="TextShape 2"/>
+          <p:cNvSpPr txBox="1"/>
+          <p:nvPr/>
+        </p:nvSpPr>
+        <p:spPr>
+          <a:xfrm>
+            <a:off x="144360" y="133560"/>
+            <a:ext cx="9071640" cy="946440"/>
+          </a:xfrm>
+          <a:prstGeom prst="rect">
+            <a:avLst/>
+          </a:prstGeom>
+          <a:noFill/>
+          <a:ln>
+            <a:noFill/>
+          </a:ln>
+        </p:spPr>
+        <p:txBody>
+          <a:bodyPr lIns="0" rIns="0" tIns="0" bIns="0" anchor="ctr"/>
+          <a:p>
+            <a:pPr algn="ctr"/>
+            <a:r>
+              <a:rPr b="0" lang="da-DK" sz="4400" spc="-1" strike="noStrike">
+                <a:latin typeface="Arial"/>
+              </a:rPr>
+              <a:t>Kontingent</a:t>
+            </a:r>
+            <a:endParaRPr b="0" lang="da-DK" sz="4400" spc="-1" strike="noStrike">
+              <a:latin typeface="Arial"/>
+            </a:endParaRPr>
+          </a:p>
+        </p:txBody>
+      </p:sp>
+      <p:sp>
+        <p:nvSpPr>
+          <p:cNvPr id="48" name="TextShape 3"/>
+          <p:cNvSpPr txBox="1"/>
+          <p:nvPr/>
+        </p:nvSpPr>
+        <p:spPr>
+          <a:xfrm>
+            <a:off x="572400" y="4961520"/>
+            <a:ext cx="1299600" cy="438840"/>
+          </a:xfrm>
+          <a:prstGeom prst="rect">
+            <a:avLst/>
+          </a:prstGeom>
+          <a:noFill/>
+          <a:ln>
+            <a:noFill/>
+          </a:ln>
+        </p:spPr>
+        <p:txBody>
+          <a:bodyPr lIns="0" rIns="0" tIns="0" bIns="0">
+            <a:normAutofit/>
+          </a:bodyPr>
+          <a:p>
+            <a:pPr marL="432000" indent="-324000">
+              <a:spcBef>
+                <a:spcPts val="1417"/>
+              </a:spcBef>
+              <a:buClr>
+                <a:srgbClr val="000000"/>
+              </a:buClr>
+              <a:buSzPct val="45000"/>
+              <a:buFont typeface="Wingdings" charset="2"/>
+              <a:buChar char=""/>
+            </a:pPr>
+            <a:r>
+              <a:rPr b="0" lang="da-DK" sz="2200" spc="-1" strike="noStrike">
+                <a:latin typeface="Arial"/>
+              </a:rPr>
+              <a:t>Back</a:t>
+            </a:r>
+            <a:endParaRPr b="0" lang="da-DK" sz="2200" spc="-1" strike="noStrike">
+              <a:latin typeface="Arial"/>
+            </a:endParaRPr>
+          </a:p>
+        </p:txBody>
+      </p:sp>
+      <p:sp>
+        <p:nvSpPr>
+          <p:cNvPr id="49" name="CustomShape 4"/>
+          <p:cNvSpPr/>
+          <p:nvPr/>
+        </p:nvSpPr>
+        <p:spPr>
+          <a:xfrm>
+            <a:off x="720000" y="1512000"/>
+            <a:ext cx="2160000" cy="452520"/>
+          </a:xfrm>
+          <a:prstGeom prst="rect">
+            <a:avLst/>
+          </a:prstGeom>
+          <a:solidFill>
+            <a:srgbClr val="ffffff"/>
+          </a:solidFill>
+          <a:ln>
+            <a:solidFill>
+              <a:srgbClr val="3465a4"/>
+            </a:solidFill>
+          </a:ln>
+        </p:spPr>
+        <p:style>
+          <a:lnRef idx="0"/>
+          <a:fillRef idx="0"/>
+          <a:effectRef idx="0"/>
+          <a:fontRef idx="minor"/>
+        </p:style>
+        <p:txBody>
+          <a:bodyPr wrap="none" lIns="90000" rIns="90000" tIns="45000" bIns="45000" anchor="ctr"/>
+          <a:p>
+            <a:pPr algn="ctr"/>
+            <a:r>
+              <a:rPr b="0" lang="da-DK" sz="1800" spc="-1" strike="noStrike">
+                <a:latin typeface="Arial"/>
+              </a:rPr>
+              <a:t>Betal</a:t>
+            </a:r>
+            <a:endParaRPr b="0" lang="da-DK" sz="1800" spc="-1" strike="noStrike">
+              <a:latin typeface="Arial"/>
+            </a:endParaRPr>
+          </a:p>
+        </p:txBody>
+      </p:sp>
+      <p:sp>
+        <p:nvSpPr>
+          <p:cNvPr id="50" name="CustomShape 5"/>
+          <p:cNvSpPr/>
+          <p:nvPr/>
+        </p:nvSpPr>
+        <p:spPr>
+          <a:xfrm>
+            <a:off x="720000" y="2664000"/>
+            <a:ext cx="2160000" cy="452520"/>
+          </a:xfrm>
+          <a:prstGeom prst="rect">
+            <a:avLst/>
+          </a:prstGeom>
+          <a:solidFill>
+            <a:srgbClr val="ffffff"/>
+          </a:solidFill>
+          <a:ln>
+            <a:solidFill>
+              <a:srgbClr val="3465a4"/>
+            </a:solidFill>
+          </a:ln>
+        </p:spPr>
+        <p:style>
+          <a:lnRef idx="0"/>
+          <a:fillRef idx="0"/>
+          <a:effectRef idx="0"/>
+          <a:fontRef idx="minor"/>
+        </p:style>
+        <p:txBody>
+          <a:bodyPr wrap="none" lIns="90000" rIns="90000" tIns="45000" bIns="45000" anchor="ctr"/>
+          <a:p>
+            <a:pPr algn="ctr"/>
+            <a:r>
+              <a:rPr b="0" lang="da-DK" sz="1800" spc="-1" strike="noStrike">
+                <a:latin typeface="Arial"/>
+              </a:rPr>
+              <a:t>Restance oversigt</a:t>
+            </a:r>
+            <a:endParaRPr b="0" lang="da-DK" sz="1800" spc="-1" strike="noStrike">
+              <a:latin typeface="Arial"/>
+            </a:endParaRPr>
+          </a:p>
+        </p:txBody>
+      </p:sp>
+      <p:sp>
+        <p:nvSpPr>
+          <p:cNvPr id="51" name="CustomShape 6"/>
+          <p:cNvSpPr/>
+          <p:nvPr/>
+        </p:nvSpPr>
+        <p:spPr>
+          <a:xfrm>
+            <a:off x="720000" y="2067480"/>
+            <a:ext cx="2160000" cy="452520"/>
+          </a:xfrm>
+          <a:prstGeom prst="rect">
+            <a:avLst/>
+          </a:prstGeom>
+          <a:solidFill>
+            <a:srgbClr val="ffffff"/>
+          </a:solidFill>
+          <a:ln>
+            <a:solidFill>
+              <a:srgbClr val="3465a4"/>
+            </a:solidFill>
+          </a:ln>
+        </p:spPr>
+        <p:style>
+          <a:lnRef idx="0"/>
+          <a:fillRef idx="0"/>
+          <a:effectRef idx="0"/>
+          <a:fontRef idx="minor"/>
+        </p:style>
+        <p:txBody>
+          <a:bodyPr wrap="none" lIns="90000" rIns="90000" tIns="45000" bIns="45000" anchor="ctr"/>
+          <a:p>
+            <a:pPr algn="ctr"/>
+            <a:r>
+              <a:rPr b="0" lang="da-DK" sz="1800" spc="-1" strike="noStrike">
+                <a:latin typeface="Arial"/>
+              </a:rPr>
+              <a:t>Kasse oversigt</a:t>
+            </a:r>
+            <a:endParaRPr b="0" lang="da-DK" sz="1800" spc="-1" strike="noStrike">
+              <a:latin typeface="Arial"/>
+            </a:endParaRPr>
+          </a:p>
+        </p:txBody>
+      </p:sp>
+      <p:sp>
+        <p:nvSpPr>
+          <p:cNvPr id="52" name="CustomShape 7"/>
+          <p:cNvSpPr/>
+          <p:nvPr/>
+        </p:nvSpPr>
+        <p:spPr>
+          <a:xfrm>
+            <a:off x="5400000" y="1512000"/>
+            <a:ext cx="864000" cy="504000"/>
+          </a:xfrm>
+          <a:prstGeom prst="rect">
+            <a:avLst/>
+          </a:prstGeom>
+          <a:solidFill>
+            <a:srgbClr val="eeeeee"/>
+          </a:solidFill>
+          <a:ln>
+            <a:solidFill>
+              <a:srgbClr val="3465a4"/>
+            </a:solidFill>
+          </a:ln>
+        </p:spPr>
+        <p:style>
+          <a:lnRef idx="0"/>
+          <a:fillRef idx="0"/>
+          <a:effectRef idx="0"/>
+          <a:fontRef idx="minor"/>
+        </p:style>
+        <p:txBody>
+          <a:bodyPr wrap="none" lIns="90000" rIns="90000" tIns="45000" bIns="45000" anchor="ctr"/>
+          <a:p>
+            <a:pPr>
+              <a:lnSpc>
+                <a:spcPct val="100000"/>
+              </a:lnSpc>
+              <a:spcBef>
+                <a:spcPts val="283"/>
+              </a:spcBef>
+              <a:spcAft>
+                <a:spcPts val="283"/>
+              </a:spcAft>
+            </a:pPr>
+            <a:r>
+              <a:rPr b="0" lang="da-DK" sz="1800" spc="-1" strike="noStrike">
+                <a:latin typeface="Arial"/>
+              </a:rPr>
+              <a:t>Info:</a:t>
+            </a:r>
+            <a:endParaRPr b="0" lang="da-DK" sz="1800" spc="-1" strike="noStrike">
+              <a:latin typeface="Arial"/>
+              <a:ea typeface="WenQuanYi Micro Hei"/>
+            </a:endParaRPr>
+          </a:p>
+        </p:txBody>
+      </p:sp>
+    </p:spTree>
+  </p:cSld>
+  <p:timing>
+    <p:tnLst>
+      <p:par>
+        <p:cTn id="5" dur="indefinite" restart="never" nodeType="tmRoot">
+          <p:childTnLst>
+            <p:seq>
+              <p:cTn id="6" dur="indefinite" nodeType="mainSeq"/>
+              <p:prevCondLst>
+                <p:cond delay="0" evt="onPrev">
+                  <p:tgtEl>
+                    <p:sldTgt/>
+                  </p:tgtEl>
+                </p:cond>
+              </p:prevCondLst>
+              <p:nextCondLst>
+                <p:cond delay="0" evt="onNext">
+                  <p:tgtEl>
+                    <p:sldTgt/>
+                  </p:tgtEl>
+                </p:cond>
+              </p:nextCondLst>
+            </p:seq>
+          </p:childTnLst>
+        </p:cTn>
+      </p:par>
+    </p:tnLst>
+  </p:timing>
+</p:sld>
+</file>
+
+<file path=ppt/slides/slide4.xml><?xml version="1.0" encoding="utf-8"?>
+<p:sld xmlns:a="http://schemas.openxmlformats.org/drawingml/2006/main" xmlns:p="http://schemas.openxmlformats.org/presentationml/2006/main" xmlns:r="http://schemas.openxmlformats.org/officeDocument/2006/relationships" xmlns:p14="http://schemas.microsoft.com/office/powerpoint/2010/main" xmlns:p15="http://schemas.microsoft.com/office/powerpoint/2012/main" xmlns:mc="http://schemas.openxmlformats.org/markup-compatibility/2006">
+  <p:cSld>
+    <p:spTree>
+      <p:nvGrpSpPr>
+        <p:cNvPr id="1" name=""/>
+        <p:cNvGrpSpPr/>
+        <p:nvPr/>
+      </p:nvGrpSpPr>
+      <p:grpSpPr>
+        <a:xfrm>
+          <a:off x="0" y="0"/>
+          <a:ext cx="0" cy="0"/>
+          <a:chOff x="0" y="0"/>
+          <a:chExt cx="0" cy="0"/>
+        </a:xfrm>
+      </p:grpSpPr>
+      <p:sp>
+        <p:nvSpPr>
+          <p:cNvPr id="53" name="TextShape 1"/>
+          <p:cNvSpPr txBox="1"/>
+          <p:nvPr/>
+        </p:nvSpPr>
+        <p:spPr>
+          <a:xfrm>
+            <a:off x="504000" y="226080"/>
+            <a:ext cx="9071640" cy="946440"/>
+          </a:xfrm>
+          <a:prstGeom prst="rect">
+            <a:avLst/>
+          </a:prstGeom>
+          <a:noFill/>
+          <a:ln>
+            <a:noFill/>
+          </a:ln>
+        </p:spPr>
+        <p:txBody>
+          <a:bodyPr lIns="0" rIns="0" tIns="0" bIns="0" anchor="ctr"/>
+          <a:p>
+            <a:pPr algn="ctr"/>
+            <a:r>
+              <a:rPr b="0" lang="da-DK" sz="4400" spc="-1" strike="noStrike">
+                <a:latin typeface="Arial"/>
+              </a:rPr>
+              <a:t>Svømmeresultater</a:t>
+            </a:r>
+            <a:endParaRPr b="0" lang="da-DK" sz="4400" spc="-1" strike="noStrike">
+              <a:latin typeface="Arial"/>
+            </a:endParaRPr>
+          </a:p>
+        </p:txBody>
+      </p:sp>
+      <p:sp>
+        <p:nvSpPr>
+          <p:cNvPr id="54" name="TextShape 2"/>
+          <p:cNvSpPr txBox="1"/>
+          <p:nvPr/>
+        </p:nvSpPr>
+        <p:spPr>
+          <a:xfrm>
+            <a:off x="572400" y="4961160"/>
+            <a:ext cx="1299600" cy="438840"/>
+          </a:xfrm>
+          <a:prstGeom prst="rect">
+            <a:avLst/>
+          </a:prstGeom>
+          <a:noFill/>
+          <a:ln>
+            <a:noFill/>
+          </a:ln>
+        </p:spPr>
+        <p:txBody>
+          <a:bodyPr lIns="0" rIns="0" tIns="0" bIns="0">
+            <a:normAutofit/>
+          </a:bodyPr>
+          <a:p>
+            <a:pPr marL="432000" indent="-324000">
+              <a:spcBef>
+                <a:spcPts val="1417"/>
+              </a:spcBef>
+              <a:buClr>
+                <a:srgbClr val="000000"/>
+              </a:buClr>
+              <a:buSzPct val="45000"/>
+              <a:buFont typeface="Wingdings" charset="2"/>
+              <a:buChar char=""/>
+            </a:pPr>
+            <a:r>
+              <a:rPr b="0" lang="da-DK" sz="2200" spc="-1" strike="noStrike">
+                <a:latin typeface="Arial"/>
+              </a:rPr>
+              <a:t>Back</a:t>
+            </a:r>
+            <a:endParaRPr b="0" lang="da-DK" sz="2200" spc="-1" strike="noStrike">
+              <a:latin typeface="Arial"/>
+            </a:endParaRPr>
+          </a:p>
+        </p:txBody>
+      </p:sp>
+      <p:sp>
+        <p:nvSpPr>
+          <p:cNvPr id="55" name="CustomShape 3"/>
+          <p:cNvSpPr/>
+          <p:nvPr/>
+        </p:nvSpPr>
+        <p:spPr>
+          <a:xfrm>
+            <a:off x="936000" y="1584000"/>
+            <a:ext cx="2232000" cy="576000"/>
+          </a:xfrm>
+          <a:prstGeom prst="rect">
+            <a:avLst/>
+          </a:prstGeom>
+          <a:solidFill>
+            <a:srgbClr val="ffffff"/>
+          </a:solidFill>
+          <a:ln>
+            <a:solidFill>
+              <a:srgbClr val="3465a4"/>
+            </a:solidFill>
+          </a:ln>
+        </p:spPr>
+        <p:style>
+          <a:lnRef idx="0"/>
+          <a:fillRef idx="0"/>
+          <a:effectRef idx="0"/>
+          <a:fontRef idx="minor"/>
+        </p:style>
+        <p:txBody>
+          <a:bodyPr wrap="none" lIns="90000" rIns="90000" tIns="45000" bIns="45000" anchor="ctr"/>
+          <a:p>
+            <a:pPr algn="ctr"/>
+            <a:r>
+              <a:rPr b="0" lang="da-DK" sz="1800" spc="-1" strike="noStrike">
+                <a:latin typeface="Arial"/>
+              </a:rPr>
+              <a:t>Vis Top 5 resulater</a:t>
+            </a:r>
+            <a:endParaRPr b="0" lang="da-DK" sz="1800" spc="-1" strike="noStrike">
+              <a:latin typeface="Arial"/>
+            </a:endParaRPr>
+          </a:p>
+        </p:txBody>
+      </p:sp>
+      <p:sp>
+        <p:nvSpPr>
+          <p:cNvPr id="56" name="CustomShape 4"/>
+          <p:cNvSpPr/>
+          <p:nvPr/>
+        </p:nvSpPr>
+        <p:spPr>
+          <a:xfrm>
+            <a:off x="4104000" y="1512000"/>
+            <a:ext cx="5400000" cy="3744000"/>
+          </a:xfrm>
+          <a:prstGeom prst="rect">
+            <a:avLst/>
+          </a:prstGeom>
+          <a:solidFill>
+            <a:srgbClr val="ffffff"/>
+          </a:solidFill>
+          <a:ln>
+            <a:solidFill>
+              <a:srgbClr val="3465a4"/>
+            </a:solidFill>
+          </a:ln>
+        </p:spPr>
+        <p:style>
+          <a:lnRef idx="0"/>
+          <a:fillRef idx="0"/>
+          <a:effectRef idx="0"/>
+          <a:fontRef idx="minor"/>
+        </p:style>
+      </p:sp>
+      <p:sp>
+        <p:nvSpPr>
+          <p:cNvPr id="57" name="CustomShape 5"/>
+          <p:cNvSpPr/>
+          <p:nvPr/>
+        </p:nvSpPr>
+        <p:spPr>
+          <a:xfrm>
+            <a:off x="4104000" y="936000"/>
+            <a:ext cx="2232000" cy="576000"/>
+          </a:xfrm>
+          <a:prstGeom prst="rect">
+            <a:avLst/>
+          </a:prstGeom>
+          <a:solidFill>
+            <a:srgbClr val="ffffff"/>
+          </a:solidFill>
+          <a:ln>
+            <a:solidFill>
+              <a:srgbClr val="3465a4"/>
+            </a:solidFill>
+          </a:ln>
+        </p:spPr>
+        <p:style>
+          <a:lnRef idx="0"/>
+          <a:fillRef idx="0"/>
+          <a:effectRef idx="0"/>
+          <a:fontRef idx="minor"/>
+        </p:style>
+        <p:txBody>
+          <a:bodyPr wrap="none" lIns="90000" rIns="90000" tIns="45000" bIns="45000" anchor="ctr"/>
+          <a:p>
+            <a:r>
+              <a:rPr b="0" lang="da-DK" sz="1800" spc="-1" strike="noStrike">
+                <a:latin typeface="Arial"/>
+              </a:rPr>
+              <a:t>Top 5 resulater</a:t>
+            </a:r>
+            <a:endParaRPr b="0" lang="da-DK" sz="1800" spc="-1" strike="noStrike">
+              <a:latin typeface="Arial"/>
+            </a:endParaRPr>
+          </a:p>
+        </p:txBody>
+      </p:sp>
+      <p:graphicFrame>
+        <p:nvGraphicFramePr>
+          <p:cNvPr id="58" name="Table 6"/>
+          <p:cNvGraphicFramePr/>
+          <p:nvPr/>
+        </p:nvGraphicFramePr>
+        <p:xfrm>
+          <a:off x="4245840" y="1589400"/>
+          <a:ext cx="5258160" cy="3666600"/>
+        </p:xfrm>
+        <a:graphic>
+          <a:graphicData uri="http://schemas.openxmlformats.org/drawingml/2006/table">
+            <a:tbl>
+              <a:tblPr/>
+              <a:tblGrid>
+                <a:gridCol w="1314720"/>
+                <a:gridCol w="1314720"/>
+                <a:gridCol w="1314720"/>
+                <a:gridCol w="1314000"/>
+              </a:tblGrid>
+              <a:tr h="449640">
+                <a:tc>
+                  <a:tcPr marL="90000" marR="90000">
+                    <a:lnL w="720">
+                      <a:solidFill>
+                        <a:srgbClr val="ffffff"/>
+                      </a:solidFill>
+                    </a:lnL>
+                    <a:lnR w="720">
+                      <a:solidFill>
+                        <a:srgbClr val="ffffff"/>
+                      </a:solidFill>
+                    </a:lnR>
+                    <a:lnT w="720">
+                      <a:solidFill>
+                        <a:srgbClr val="ffffff"/>
+                      </a:solidFill>
+                    </a:lnT>
+                    <a:lnB w="720">
+                      <a:solidFill>
+                        <a:srgbClr val="ffffff"/>
+                      </a:solidFill>
+                    </a:lnB>
+                    <a:solidFill>
+                      <a:srgbClr val="9999ff"/>
+                    </a:solidFill>
+                  </a:tcPr>
+                </a:tc>
+                <a:tc>
+                  <a:tcPr marL="90000" marR="90000">
+                    <a:lnL w="720">
+                      <a:solidFill>
+                        <a:srgbClr val="ffffff"/>
+                      </a:solidFill>
+                    </a:lnL>
+                    <a:lnR w="720">
+                      <a:solidFill>
+                        <a:srgbClr val="ffffff"/>
+                      </a:solidFill>
+                    </a:lnR>
+                    <a:lnT w="720">
+                      <a:solidFill>
+                        <a:srgbClr val="ffffff"/>
+                      </a:solidFill>
+                    </a:lnT>
+                    <a:lnB w="720">
+                      <a:solidFill>
+                        <a:srgbClr val="ffffff"/>
+                      </a:solidFill>
+                    </a:lnB>
+                    <a:solidFill>
+                      <a:srgbClr val="9999ff"/>
+                    </a:solidFill>
+                  </a:tcPr>
+                </a:tc>
+                <a:tc>
+                  <a:tcPr marL="90000" marR="90000">
+                    <a:lnL w="720">
+                      <a:solidFill>
+                        <a:srgbClr val="ffffff"/>
+                      </a:solidFill>
+                    </a:lnL>
+                    <a:lnR w="720">
+                      <a:solidFill>
+                        <a:srgbClr val="ffffff"/>
+                      </a:solidFill>
+                    </a:lnR>
+                    <a:lnT w="720">
+                      <a:solidFill>
+                        <a:srgbClr val="ffffff"/>
+                      </a:solidFill>
+                    </a:lnT>
+                    <a:lnB w="720">
+                      <a:solidFill>
+                        <a:srgbClr val="ffffff"/>
+                      </a:solidFill>
+                    </a:lnB>
+                    <a:solidFill>
+                      <a:srgbClr val="9999ff"/>
+                    </a:solidFill>
+                  </a:tcPr>
+                </a:tc>
+                <a:tc>
+                  <a:tcPr marL="90000" marR="90000">
+                    <a:lnL w="720">
+                      <a:solidFill>
+                        <a:srgbClr val="ffffff"/>
+                      </a:solidFill>
+                    </a:lnL>
+                    <a:lnR w="720">
+                      <a:solidFill>
+                        <a:srgbClr val="ffffff"/>
+                      </a:solidFill>
+                    </a:lnR>
+                    <a:lnT w="720">
+                      <a:solidFill>
+                        <a:srgbClr val="ffffff"/>
+                      </a:solidFill>
+                    </a:lnT>
+                    <a:lnB w="720">
+                      <a:solidFill>
+                        <a:srgbClr val="ffffff"/>
+                      </a:solidFill>
+                    </a:lnB>
+                    <a:solidFill>
+                      <a:srgbClr val="9999ff"/>
+                    </a:solidFill>
+                  </a:tcPr>
+                </a:tc>
+              </a:tr>
+              <a:tr h="643320">
+                <a:tc>
+                  <a:tcPr marL="90000" marR="90000">
+                    <a:lnL w="720">
+                      <a:solidFill>
+                        <a:srgbClr val="ffffff"/>
+                      </a:solidFill>
+                    </a:lnL>
+                    <a:lnR w="720">
+                      <a:solidFill>
+                        <a:srgbClr val="ffffff"/>
+                      </a:solidFill>
+                    </a:lnR>
+                    <a:lnT w="720">
+                      <a:solidFill>
+                        <a:srgbClr val="ffffff"/>
+                      </a:solidFill>
+                    </a:lnT>
+                    <a:lnB w="720">
+                      <a:solidFill>
+                        <a:srgbClr val="ffffff"/>
+                      </a:solidFill>
+                    </a:lnB>
+                    <a:solidFill>
+                      <a:srgbClr val="e6e6ff"/>
+                    </a:solidFill>
+                  </a:tcPr>
+                </a:tc>
+                <a:tc>
+                  <a:tcPr marL="90000" marR="90000">
+                    <a:lnL w="720">
+                      <a:solidFill>
+                        <a:srgbClr val="ffffff"/>
+                      </a:solidFill>
+                    </a:lnL>
+                    <a:lnR w="720">
+                      <a:solidFill>
+                        <a:srgbClr val="ffffff"/>
+                      </a:solidFill>
+                    </a:lnR>
+                    <a:lnT w="720">
+                      <a:solidFill>
+                        <a:srgbClr val="ffffff"/>
+                      </a:solidFill>
+                    </a:lnT>
+                    <a:lnB w="720">
+                      <a:solidFill>
+                        <a:srgbClr val="ffffff"/>
+                      </a:solidFill>
+                    </a:lnB>
+                    <a:solidFill>
+                      <a:srgbClr val="ccccff"/>
+                    </a:solidFill>
+                  </a:tcPr>
+                </a:tc>
+                <a:tc>
+                  <a:tcPr marL="90000" marR="90000">
+                    <a:lnL w="720">
+                      <a:solidFill>
+                        <a:srgbClr val="ffffff"/>
+                      </a:solidFill>
+                    </a:lnL>
+                    <a:lnR w="720">
+                      <a:solidFill>
+                        <a:srgbClr val="ffffff"/>
+                      </a:solidFill>
+                    </a:lnR>
+                    <a:lnT w="720">
+                      <a:solidFill>
+                        <a:srgbClr val="ffffff"/>
+                      </a:solidFill>
+                    </a:lnT>
+                    <a:lnB w="720">
+                      <a:solidFill>
+                        <a:srgbClr val="ffffff"/>
+                      </a:solidFill>
+                    </a:lnB>
+                    <a:solidFill>
+                      <a:srgbClr val="e6e6ff"/>
+                    </a:solidFill>
+                  </a:tcPr>
+                </a:tc>
+                <a:tc>
+                  <a:tcPr marL="90000" marR="90000">
+                    <a:lnL w="720">
+                      <a:solidFill>
+                        <a:srgbClr val="ffffff"/>
+                      </a:solidFill>
+                    </a:lnL>
+                    <a:lnR w="720">
+                      <a:solidFill>
+                        <a:srgbClr val="ffffff"/>
+                      </a:solidFill>
+                    </a:lnR>
+                    <a:lnT w="720">
+                      <a:solidFill>
+                        <a:srgbClr val="ffffff"/>
+                      </a:solidFill>
+                    </a:lnT>
+                    <a:lnB w="720">
+                      <a:solidFill>
+                        <a:srgbClr val="ffffff"/>
+                      </a:solidFill>
+                    </a:lnB>
+                    <a:solidFill>
+                      <a:srgbClr val="ccccff"/>
+                    </a:solidFill>
+                  </a:tcPr>
+                </a:tc>
+              </a:tr>
+              <a:tr h="643320">
+                <a:tc>
+                  <a:tcPr marL="90000" marR="90000">
+                    <a:lnL w="720">
+                      <a:solidFill>
+                        <a:srgbClr val="ffffff"/>
+                      </a:solidFill>
+                    </a:lnL>
+                    <a:lnR w="720">
+                      <a:solidFill>
+                        <a:srgbClr val="ffffff"/>
+                      </a:solidFill>
+                    </a:lnR>
+                    <a:lnT w="720">
+                      <a:solidFill>
+                        <a:srgbClr val="ffffff"/>
+                      </a:solidFill>
+                    </a:lnT>
+                    <a:lnB w="720">
+                      <a:solidFill>
+                        <a:srgbClr val="ffffff"/>
+                      </a:solidFill>
+                    </a:lnB>
+                    <a:solidFill>
+                      <a:srgbClr val="e6e6ff"/>
+                    </a:solidFill>
+                  </a:tcPr>
+                </a:tc>
+                <a:tc>
+                  <a:tcPr marL="90000" marR="90000">
+                    <a:lnL w="720">
+                      <a:solidFill>
+                        <a:srgbClr val="ffffff"/>
+                      </a:solidFill>
+                    </a:lnL>
+                    <a:lnR w="720">
+                      <a:solidFill>
+                        <a:srgbClr val="ffffff"/>
+                      </a:solidFill>
+                    </a:lnR>
+                    <a:lnT w="720">
+                      <a:solidFill>
+                        <a:srgbClr val="ffffff"/>
+                      </a:solidFill>
+                    </a:lnT>
+                    <a:lnB w="720">
+                      <a:solidFill>
+                        <a:srgbClr val="ffffff"/>
+                      </a:solidFill>
+                    </a:lnB>
+                    <a:solidFill>
+                      <a:srgbClr val="ccccff"/>
+                    </a:solidFill>
+                  </a:tcPr>
+                </a:tc>
+                <a:tc>
+                  <a:tcPr marL="90000" marR="90000">
+                    <a:lnL w="720">
+                      <a:solidFill>
+                        <a:srgbClr val="ffffff"/>
+                      </a:solidFill>
+                    </a:lnL>
+                    <a:lnR w="720">
+                      <a:solidFill>
+                        <a:srgbClr val="ffffff"/>
+                      </a:solidFill>
+                    </a:lnR>
+                    <a:lnT w="720">
+                      <a:solidFill>
+                        <a:srgbClr val="ffffff"/>
+                      </a:solidFill>
+                    </a:lnT>
+                    <a:lnB w="720">
+                      <a:solidFill>
+                        <a:srgbClr val="ffffff"/>
+                      </a:solidFill>
+                    </a:lnB>
+                    <a:solidFill>
+                      <a:srgbClr val="e6e6ff"/>
+                    </a:solidFill>
+                  </a:tcPr>
+                </a:tc>
+                <a:tc>
+                  <a:tcPr marL="90000" marR="90000">
+                    <a:lnL w="720">
+                      <a:solidFill>
+                        <a:srgbClr val="ffffff"/>
+                      </a:solidFill>
+                    </a:lnL>
+                    <a:lnR w="720">
+                      <a:solidFill>
+                        <a:srgbClr val="ffffff"/>
+                      </a:solidFill>
+                    </a:lnR>
+                    <a:lnT w="720">
+                      <a:solidFill>
+                        <a:srgbClr val="ffffff"/>
+                      </a:solidFill>
+                    </a:lnT>
+                    <a:lnB w="720">
+                      <a:solidFill>
+                        <a:srgbClr val="ffffff"/>
+                      </a:solidFill>
+                    </a:lnB>
+                    <a:solidFill>
+                      <a:srgbClr val="ccccff"/>
+                    </a:solidFill>
+                  </a:tcPr>
+                </a:tc>
+              </a:tr>
+              <a:tr h="643320">
+                <a:tc>
+                  <a:tcPr marL="90000" marR="90000">
+                    <a:lnL w="720">
+                      <a:solidFill>
+                        <a:srgbClr val="ffffff"/>
+                      </a:solidFill>
+                    </a:lnL>
+                    <a:lnR w="720">
+                      <a:solidFill>
+                        <a:srgbClr val="ffffff"/>
+                      </a:solidFill>
+                    </a:lnR>
+                    <a:lnT w="720">
+                      <a:solidFill>
+                        <a:srgbClr val="ffffff"/>
+                      </a:solidFill>
+                    </a:lnT>
+                    <a:lnB w="720">
+                      <a:solidFill>
+                        <a:srgbClr val="ffffff"/>
+                      </a:solidFill>
+                    </a:lnB>
+                    <a:solidFill>
+                      <a:srgbClr val="e6e6ff"/>
+                    </a:solidFill>
+                  </a:tcPr>
+                </a:tc>
+                <a:tc>
+                  <a:tcPr marL="90000" marR="90000">
+                    <a:lnL w="720">
+                      <a:solidFill>
+                        <a:srgbClr val="ffffff"/>
+                      </a:solidFill>
+                    </a:lnL>
+                    <a:lnR w="720">
+                      <a:solidFill>
+                        <a:srgbClr val="ffffff"/>
+                      </a:solidFill>
+                    </a:lnR>
+                    <a:lnT w="720">
+                      <a:solidFill>
+                        <a:srgbClr val="ffffff"/>
+                      </a:solidFill>
+                    </a:lnT>
+                    <a:lnB w="720">
+                      <a:solidFill>
+                        <a:srgbClr val="ffffff"/>
+                      </a:solidFill>
+                    </a:lnB>
+                    <a:solidFill>
+                      <a:srgbClr val="ccccff"/>
+                    </a:solidFill>
+                  </a:tcPr>
+                </a:tc>
+                <a:tc>
+                  <a:tcPr marL="90000" marR="90000">
+                    <a:lnL w="720">
+                      <a:solidFill>
+                        <a:srgbClr val="ffffff"/>
+                      </a:solidFill>
+                    </a:lnL>
+                    <a:lnR w="720">
+                      <a:solidFill>
+                        <a:srgbClr val="ffffff"/>
+                      </a:solidFill>
+                    </a:lnR>
+                    <a:lnT w="720">
+                      <a:solidFill>
+                        <a:srgbClr val="ffffff"/>
+                      </a:solidFill>
+                    </a:lnT>
+                    <a:lnB w="720">
+                      <a:solidFill>
+                        <a:srgbClr val="ffffff"/>
+                      </a:solidFill>
+                    </a:lnB>
+                    <a:solidFill>
+                      <a:srgbClr val="e6e6ff"/>
+                    </a:solidFill>
+                  </a:tcPr>
+                </a:tc>
+                <a:tc>
+                  <a:tcPr marL="90000" marR="90000">
+                    <a:lnL w="720">
+                      <a:solidFill>
+                        <a:srgbClr val="ffffff"/>
+                      </a:solidFill>
+                    </a:lnL>
+                    <a:lnR w="720">
+                      <a:solidFill>
+                        <a:srgbClr val="ffffff"/>
+                      </a:solidFill>
+                    </a:lnR>
+                    <a:lnT w="720">
+                      <a:solidFill>
+                        <a:srgbClr val="ffffff"/>
+                      </a:solidFill>
+                    </a:lnT>
+                    <a:lnB w="720">
+                      <a:solidFill>
+                        <a:srgbClr val="ffffff"/>
+                      </a:solidFill>
+                    </a:lnB>
+                    <a:solidFill>
+                      <a:srgbClr val="ccccff"/>
+                    </a:solidFill>
+                  </a:tcPr>
+                </a:tc>
+              </a:tr>
+              <a:tr h="643320">
+                <a:tc>
+                  <a:tcPr marL="90000" marR="90000">
+                    <a:lnL w="720">
+                      <a:solidFill>
+                        <a:srgbClr val="ffffff"/>
+                      </a:solidFill>
+                    </a:lnL>
+                    <a:lnR w="720">
+                      <a:solidFill>
+                        <a:srgbClr val="ffffff"/>
+                      </a:solidFill>
+                    </a:lnR>
+                    <a:lnT w="720">
+                      <a:solidFill>
+                        <a:srgbClr val="ffffff"/>
+                      </a:solidFill>
+                    </a:lnT>
+                    <a:lnB w="720">
+                      <a:solidFill>
+                        <a:srgbClr val="ffffff"/>
+                      </a:solidFill>
+                    </a:lnB>
+                    <a:solidFill>
+                      <a:srgbClr val="e6e6ff"/>
+                    </a:solidFill>
+                  </a:tcPr>
+                </a:tc>
+                <a:tc>
+                  <a:tcPr marL="90000" marR="90000">
+                    <a:lnL w="720">
+                      <a:solidFill>
+                        <a:srgbClr val="ffffff"/>
+                      </a:solidFill>
+                    </a:lnL>
+                    <a:lnR w="720">
+                      <a:solidFill>
+                        <a:srgbClr val="ffffff"/>
+                      </a:solidFill>
+                    </a:lnR>
+                    <a:lnT w="720">
+                      <a:solidFill>
+                        <a:srgbClr val="ffffff"/>
+                      </a:solidFill>
+                    </a:lnT>
+                    <a:lnB w="720">
+                      <a:solidFill>
+                        <a:srgbClr val="ffffff"/>
+                      </a:solidFill>
+                    </a:lnB>
+                    <a:solidFill>
+                      <a:srgbClr val="ccccff"/>
+                    </a:solidFill>
+                  </a:tcPr>
+                </a:tc>
+                <a:tc>
+                  <a:tcPr marL="90000" marR="90000">
+                    <a:lnL w="720">
+                      <a:solidFill>
+                        <a:srgbClr val="ffffff"/>
+                      </a:solidFill>
+                    </a:lnL>
+                    <a:lnR w="720">
+                      <a:solidFill>
+                        <a:srgbClr val="ffffff"/>
+                      </a:solidFill>
+                    </a:lnR>
+                    <a:lnT w="720">
+                      <a:solidFill>
+                        <a:srgbClr val="ffffff"/>
+                      </a:solidFill>
+                    </a:lnT>
+                    <a:lnB w="720">
+                      <a:solidFill>
+                        <a:srgbClr val="ffffff"/>
+                      </a:solidFill>
+                    </a:lnB>
+                    <a:solidFill>
+                      <a:srgbClr val="e6e6ff"/>
+                    </a:solidFill>
+                  </a:tcPr>
+                </a:tc>
+                <a:tc>
+                  <a:tcPr marL="90000" marR="90000">
+                    <a:lnL w="720">
+                      <a:solidFill>
+                        <a:srgbClr val="ffffff"/>
+                      </a:solidFill>
+                    </a:lnL>
+                    <a:lnR w="720">
+                      <a:solidFill>
+                        <a:srgbClr val="ffffff"/>
+                      </a:solidFill>
+                    </a:lnR>
+                    <a:lnT w="720">
+                      <a:solidFill>
+                        <a:srgbClr val="ffffff"/>
+                      </a:solidFill>
+                    </a:lnT>
+                    <a:lnB w="720">
+                      <a:solidFill>
+                        <a:srgbClr val="ffffff"/>
+                      </a:solidFill>
+                    </a:lnB>
+                    <a:solidFill>
+                      <a:srgbClr val="ccccff"/>
+                    </a:solidFill>
+                  </a:tcPr>
+                </a:tc>
+              </a:tr>
+              <a:tr h="643680">
+                <a:tc>
+                  <a:tcPr marL="90000" marR="90000">
+                    <a:lnL w="720">
+                      <a:solidFill>
+                        <a:srgbClr val="ffffff"/>
+                      </a:solidFill>
+                    </a:lnL>
+                    <a:lnR w="720">
+                      <a:solidFill>
+                        <a:srgbClr val="ffffff"/>
+                      </a:solidFill>
+                    </a:lnR>
+                    <a:lnT w="720">
+                      <a:solidFill>
+                        <a:srgbClr val="ffffff"/>
+                      </a:solidFill>
+                    </a:lnT>
+                    <a:lnB w="720">
+                      <a:solidFill>
+                        <a:srgbClr val="ffffff"/>
+                      </a:solidFill>
+                    </a:lnB>
+                    <a:solidFill>
+                      <a:srgbClr val="e6e6ff"/>
+                    </a:solidFill>
+                  </a:tcPr>
+                </a:tc>
+                <a:tc>
+                  <a:tcPr marL="90000" marR="90000">
+                    <a:lnL w="720">
+                      <a:solidFill>
+                        <a:srgbClr val="ffffff"/>
+                      </a:solidFill>
+                    </a:lnL>
+                    <a:lnR w="720">
+                      <a:solidFill>
+                        <a:srgbClr val="ffffff"/>
+                      </a:solidFill>
+                    </a:lnR>
+                    <a:lnT w="720">
+                      <a:solidFill>
+                        <a:srgbClr val="ffffff"/>
+                      </a:solidFill>
+                    </a:lnT>
+                    <a:lnB w="720">
+                      <a:solidFill>
+                        <a:srgbClr val="ffffff"/>
+                      </a:solidFill>
+                    </a:lnB>
+                    <a:solidFill>
+                      <a:srgbClr val="ccccff"/>
+                    </a:solidFill>
+                  </a:tcPr>
+                </a:tc>
+                <a:tc>
+                  <a:tcPr marL="90000" marR="90000">
+                    <a:lnL w="720">
+                      <a:solidFill>
+                        <a:srgbClr val="ffffff"/>
+                      </a:solidFill>
+                    </a:lnL>
+                    <a:lnR w="720">
+                      <a:solidFill>
+                        <a:srgbClr val="ffffff"/>
+                      </a:solidFill>
+                    </a:lnR>
+                    <a:lnT w="720">
+                      <a:solidFill>
+                        <a:srgbClr val="ffffff"/>
+                      </a:solidFill>
+                    </a:lnT>
+                    <a:lnB w="720">
+                      <a:solidFill>
+                        <a:srgbClr val="ffffff"/>
+                      </a:solidFill>
+                    </a:lnB>
+                    <a:solidFill>
+                      <a:srgbClr val="e6e6ff"/>
+                    </a:solidFill>
+                  </a:tcPr>
+                </a:tc>
+                <a:tc>
+                  <a:tcPr marL="90000" marR="90000">
+                    <a:lnL w="720">
+                      <a:solidFill>
+                        <a:srgbClr val="ffffff"/>
+                      </a:solidFill>
+                    </a:lnL>
+                    <a:lnR w="720">
+                      <a:solidFill>
+                        <a:srgbClr val="ffffff"/>
+                      </a:solidFill>
+                    </a:lnR>
+                    <a:lnT w="720">
+                      <a:solidFill>
+                        <a:srgbClr val="ffffff"/>
+                      </a:solidFill>
+                    </a:lnT>
+                    <a:lnB w="720">
+                      <a:solidFill>
+                        <a:srgbClr val="ffffff"/>
+                      </a:solidFill>
+                    </a:lnB>
+                    <a:solidFill>
+                      <a:srgbClr val="ccccff"/>
+                    </a:solidFill>
+                  </a:tcPr>
+                </a:tc>
+              </a:tr>
+            </a:tbl>
+          </a:graphicData>
+        </a:graphic>
+      </p:graphicFrame>
+    </p:spTree>
+  </p:cSld>
+  <p:timing>
+    <p:tnLst>
+      <p:par>
+        <p:cTn id="7" dur="indefinite" restart="never" nodeType="tmRoot">
+          <p:childTnLst>
+            <p:seq>
+              <p:cTn id="8" dur="indefinite" nodeType="mainSeq"/>
+              <p:prevCondLst>
+                <p:cond delay="0" evt="onPrev">
+                  <p:tgtEl>
+                    <p:sldTgt/>
+                  </p:tgtEl>
+                </p:cond>
+              </p:prevCondLst>
+              <p:nextCondLst>
+                <p:cond delay="0" evt="onNext">
+                  <p:tgtEl>
+                    <p:sldTgt/>
+                  </p:tgtEl>
+                </p:cond>
+              </p:nextCondLst>
+            </p:seq>
+          </p:childTnLst>
+        </p:cTn>
+      </p:par>
+    </p:tnLst>
+  </p:timing>
+</p:sld>
+</file>
+
+<file path=ppt/slides/slide5.xml><?xml version="1.0" encoding="utf-8"?>
+<p:sld xmlns:a="http://schemas.openxmlformats.org/drawingml/2006/main" xmlns:p="http://schemas.openxmlformats.org/presentationml/2006/main" xmlns:r="http://schemas.openxmlformats.org/officeDocument/2006/relationships" xmlns:p14="http://schemas.microsoft.com/office/powerpoint/2010/main" xmlns:p15="http://schemas.microsoft.com/office/powerpoint/2012/main" xmlns:mc="http://schemas.openxmlformats.org/markup-compatibility/2006">
+  <p:cSld>
+    <p:spTree>
+      <p:nvGrpSpPr>
+        <p:cNvPr id="1" name=""/>
+        <p:cNvGrpSpPr/>
+        <p:nvPr/>
+      </p:nvGrpSpPr>
+      <p:grpSpPr>
+        <a:xfrm>
+          <a:off x="0" y="0"/>
+          <a:ext cx="0" cy="0"/>
+          <a:chOff x="0" y="0"/>
+          <a:chExt cx="0" cy="0"/>
+        </a:xfrm>
+      </p:grpSpPr>
+      <p:sp>
+        <p:nvSpPr>
+          <p:cNvPr id="59" name="CustomShape 1"/>
+          <p:cNvSpPr/>
+          <p:nvPr/>
+        </p:nvSpPr>
+        <p:spPr>
+          <a:xfrm>
+            <a:off x="7056000" y="1296000"/>
+            <a:ext cx="2520000" cy="1584000"/>
+          </a:xfrm>
+          <a:prstGeom prst="rect">
+            <a:avLst/>
+          </a:prstGeom>
+          <a:solidFill>
+            <a:srgbClr val="ffffff"/>
+          </a:solidFill>
+          <a:ln>
+            <a:solidFill>
+              <a:srgbClr val="071136"/>
+            </a:solidFill>
+          </a:ln>
+        </p:spPr>
+        <p:style>
+          <a:lnRef idx="0"/>
+          <a:fillRef idx="0"/>
+          <a:effectRef idx="0"/>
+          <a:fontRef idx="minor"/>
+        </p:style>
+      </p:sp>
+      <p:sp>
+        <p:nvSpPr>
+          <p:cNvPr id="60" name="TextShape 2"/>
+          <p:cNvSpPr txBox="1"/>
+          <p:nvPr/>
+        </p:nvSpPr>
+        <p:spPr>
+          <a:xfrm>
+            <a:off x="504000" y="226080"/>
+            <a:ext cx="9071640" cy="946440"/>
+          </a:xfrm>
+          <a:prstGeom prst="rect">
+            <a:avLst/>
+          </a:prstGeom>
+          <a:noFill/>
+          <a:ln>
+            <a:noFill/>
+          </a:ln>
+        </p:spPr>
+        <p:txBody>
+          <a:bodyPr lIns="0" rIns="0" tIns="0" bIns="0" anchor="ctr"/>
+          <a:p>
+            <a:pPr algn="ctr"/>
+            <a:r>
+              <a:rPr b="0" lang="da-DK" sz="4400" spc="-1" strike="noStrike">
+                <a:latin typeface="Arial"/>
+              </a:rPr>
+              <a:t>Medlemsoversigt</a:t>
+            </a:r>
+            <a:endParaRPr b="0" lang="da-DK" sz="4400" spc="-1" strike="noStrike">
+              <a:latin typeface="Arial"/>
+            </a:endParaRPr>
+          </a:p>
+        </p:txBody>
+      </p:sp>
+      <p:sp>
+        <p:nvSpPr>
+          <p:cNvPr id="61" name="TextShape 3"/>
+          <p:cNvSpPr txBox="1"/>
+          <p:nvPr/>
+        </p:nvSpPr>
+        <p:spPr>
+          <a:xfrm>
+            <a:off x="504000" y="2622600"/>
+            <a:ext cx="4824000" cy="2345400"/>
+          </a:xfrm>
+          <a:prstGeom prst="rect">
+            <a:avLst/>
+          </a:prstGeom>
+          <a:noFill/>
+          <a:ln>
+            <a:noFill/>
+          </a:ln>
+        </p:spPr>
+        <p:txBody>
+          <a:bodyPr lIns="0" rIns="0" tIns="0" bIns="0">
+            <a:normAutofit/>
+          </a:bodyPr>
+          <a:p>
+            <a:pPr marL="432000" indent="-324000">
+              <a:spcBef>
+                <a:spcPts val="1417"/>
+              </a:spcBef>
+              <a:buClr>
+                <a:srgbClr val="000000"/>
+              </a:buClr>
+              <a:buSzPct val="45000"/>
+              <a:buFont typeface="Wingdings" charset="2"/>
+              <a:buChar char=""/>
+            </a:pPr>
+            <a:r>
+              <a:rPr b="0" lang="da-DK" sz="3200" spc="-1" strike="noStrike">
+                <a:latin typeface="Arial"/>
+              </a:rPr>
+              <a:t>Navn: Lars Emil</a:t>
+            </a:r>
+            <a:endParaRPr b="0" lang="da-DK" sz="3200" spc="-1" strike="noStrike">
+              <a:latin typeface="Arial"/>
+            </a:endParaRPr>
+          </a:p>
+          <a:p>
+            <a:pPr marL="432000" indent="-324000">
+              <a:spcBef>
+                <a:spcPts val="1417"/>
+              </a:spcBef>
+              <a:buClr>
+                <a:srgbClr val="000000"/>
+              </a:buClr>
+              <a:buSzPct val="45000"/>
+              <a:buFont typeface="Wingdings" charset="2"/>
+              <a:buChar char=""/>
+            </a:pPr>
+            <a:r>
+              <a:rPr b="0" lang="da-DK" sz="3200" spc="-1" strike="noStrike">
+                <a:latin typeface="Arial"/>
+              </a:rPr>
+              <a:t>Status: aktiv</a:t>
+            </a:r>
+            <a:endParaRPr b="0" lang="da-DK" sz="3200" spc="-1" strike="noStrike">
+              <a:latin typeface="Arial"/>
+            </a:endParaRPr>
+          </a:p>
+          <a:p>
+            <a:pPr marL="432000" indent="-324000">
+              <a:spcBef>
+                <a:spcPts val="1417"/>
+              </a:spcBef>
+              <a:buClr>
+                <a:srgbClr val="000000"/>
+              </a:buClr>
+              <a:buSzPct val="45000"/>
+              <a:buFont typeface="Wingdings" charset="2"/>
+              <a:buChar char=""/>
+            </a:pPr>
+            <a:r>
+              <a:rPr b="0" lang="da-DK" sz="3200" spc="-1" strike="noStrike">
+                <a:latin typeface="Arial"/>
+              </a:rPr>
+              <a:t>Gruppe: senior</a:t>
+            </a:r>
+            <a:endParaRPr b="0" lang="da-DK" sz="3200" spc="-1" strike="noStrike">
+              <a:latin typeface="Arial"/>
+            </a:endParaRPr>
+          </a:p>
+          <a:p>
+            <a:pPr marL="432000" indent="-324000">
+              <a:spcBef>
+                <a:spcPts val="1417"/>
+              </a:spcBef>
+              <a:buClr>
+                <a:srgbClr val="000000"/>
+              </a:buClr>
+              <a:buSzPct val="45000"/>
+              <a:buFont typeface="Wingdings" charset="2"/>
+              <a:buChar char=""/>
+            </a:pPr>
+            <a:r>
+              <a:rPr b="0" lang="da-DK" sz="3200" spc="-1" strike="noStrike">
+                <a:latin typeface="Arial"/>
+              </a:rPr>
+              <a:t>Aktivitet: konkurrencesvømmer</a:t>
+            </a:r>
+            <a:endParaRPr b="0" lang="da-DK" sz="3200" spc="-1" strike="noStrike">
+              <a:latin typeface="Arial"/>
+            </a:endParaRPr>
+          </a:p>
+          <a:p>
+            <a:pPr marL="432000" indent="-324000">
+              <a:spcBef>
+                <a:spcPts val="1417"/>
+              </a:spcBef>
+              <a:buClr>
+                <a:srgbClr val="000000"/>
+              </a:buClr>
+              <a:buSzPct val="45000"/>
+              <a:buFont typeface="Wingdings" charset="2"/>
+              <a:buChar char=""/>
+            </a:pPr>
+            <a:r>
+              <a:rPr b="0" lang="da-DK" sz="3200" spc="-1" strike="noStrike">
+                <a:latin typeface="Arial"/>
+              </a:rPr>
+              <a:t>Restance: nej</a:t>
+            </a:r>
+            <a:endParaRPr b="0" lang="da-DK" sz="3200" spc="-1" strike="noStrike">
+              <a:latin typeface="Arial"/>
+            </a:endParaRPr>
+          </a:p>
+        </p:txBody>
+      </p:sp>
+      <p:sp>
+        <p:nvSpPr>
+          <p:cNvPr id="62" name="TextShape 4"/>
+          <p:cNvSpPr txBox="1"/>
+          <p:nvPr/>
+        </p:nvSpPr>
+        <p:spPr>
+          <a:xfrm>
+            <a:off x="6840000" y="1440000"/>
+            <a:ext cx="2736000" cy="3744000"/>
+          </a:xfrm>
+          <a:prstGeom prst="rect">
+            <a:avLst/>
+          </a:prstGeom>
+          <a:noFill/>
+          <a:ln>
+            <a:noFill/>
+          </a:ln>
+        </p:spPr>
+        <p:txBody>
+          <a:bodyPr lIns="0" rIns="0" tIns="0" bIns="0">
+            <a:normAutofit/>
+          </a:bodyPr>
+          <a:p>
+            <a:pPr marL="432000" indent="-324000">
+              <a:spcBef>
+                <a:spcPts val="1417"/>
+              </a:spcBef>
+              <a:buClr>
+                <a:srgbClr val="000000"/>
+              </a:buClr>
+              <a:buSzPct val="45000"/>
+              <a:buFont typeface="Wingdings" charset="2"/>
+              <a:buChar char=""/>
+            </a:pPr>
+            <a:r>
+              <a:rPr b="0" lang="da-DK" sz="2200" spc="-1" strike="noStrike">
+                <a:latin typeface="Arial"/>
+              </a:rPr>
+              <a:t>Lars Emil</a:t>
+            </a:r>
+            <a:endParaRPr b="0" lang="da-DK" sz="2200" spc="-1" strike="noStrike">
+              <a:latin typeface="Arial"/>
+            </a:endParaRPr>
+          </a:p>
+          <a:p>
+            <a:pPr marL="432000" indent="-324000">
+              <a:spcBef>
+                <a:spcPts val="1417"/>
+              </a:spcBef>
+              <a:buClr>
+                <a:srgbClr val="000000"/>
+              </a:buClr>
+              <a:buSzPct val="45000"/>
+              <a:buFont typeface="Wingdings" charset="2"/>
+              <a:buChar char=""/>
+            </a:pPr>
+            <a:r>
+              <a:rPr b="0" lang="da-DK" sz="2200" spc="-1" strike="noStrike">
+                <a:latin typeface="Arial"/>
+                <a:ea typeface="WenQuanYi Micro Hei"/>
+              </a:rPr>
+              <a:t>Louise Pedersen</a:t>
+            </a:r>
+            <a:endParaRPr b="0" lang="da-DK" sz="2200" spc="-1" strike="noStrike">
+              <a:latin typeface="Arial"/>
+            </a:endParaRPr>
+          </a:p>
+          <a:p>
+            <a:pPr marL="432000" indent="-324000">
+              <a:spcBef>
+                <a:spcPts val="1417"/>
+              </a:spcBef>
+              <a:buClr>
+                <a:srgbClr val="000000"/>
+              </a:buClr>
+              <a:buSzPct val="45000"/>
+              <a:buFont typeface="Wingdings" charset="2"/>
+              <a:buChar char=""/>
+            </a:pPr>
+            <a:r>
+              <a:rPr b="0" lang="da-DK" sz="2200" spc="-1" strike="noStrike">
+                <a:latin typeface="Arial"/>
+              </a:rPr>
+              <a:t>Peter Hansen</a:t>
+            </a:r>
+            <a:endParaRPr b="0" lang="da-DK" sz="2200" spc="-1" strike="noStrike">
+              <a:latin typeface="Arial"/>
+            </a:endParaRPr>
+          </a:p>
+        </p:txBody>
+      </p:sp>
+      <p:sp>
+        <p:nvSpPr>
+          <p:cNvPr id="63" name="TextShape 5"/>
+          <p:cNvSpPr txBox="1"/>
+          <p:nvPr/>
+        </p:nvSpPr>
+        <p:spPr>
+          <a:xfrm>
+            <a:off x="7128000" y="936000"/>
+            <a:ext cx="1889280" cy="524520"/>
+          </a:xfrm>
+          <a:prstGeom prst="rect">
+            <a:avLst/>
+          </a:prstGeom>
+          <a:noFill/>
+          <a:ln>
+            <a:noFill/>
+          </a:ln>
+        </p:spPr>
+        <p:txBody>
+          <a:bodyPr lIns="90000" rIns="90000" tIns="45000" bIns="45000"/>
+          <a:p>
+            <a:r>
+              <a:rPr b="1" lang="da-DK" sz="2200" spc="-1" strike="noStrike">
+                <a:latin typeface="Arial"/>
+              </a:rPr>
+              <a:t>Medlemmer</a:t>
+            </a:r>
+            <a:r>
+              <a:rPr b="0" lang="da-DK" sz="2200" spc="-1" strike="noStrike">
+                <a:latin typeface="Arial"/>
+              </a:rPr>
+              <a:t>:</a:t>
+            </a:r>
+            <a:endParaRPr b="0" lang="da-DK" sz="2200" spc="-1" strike="noStrike">
+              <a:latin typeface="Arial"/>
+            </a:endParaRPr>
+          </a:p>
+        </p:txBody>
+      </p:sp>
+    </p:spTree>
+  </p:cSld>
+  <p:timing>
+    <p:tnLst>
+      <p:par>
+        <p:cTn id="9" dur="indefinite" restart="never" nodeType="tmRoot">
+          <p:childTnLst>
+            <p:seq>
+              <p:cTn id="10" dur="indefinite" nodeType="mainSeq"/>
               <p:prevCondLst>
                 <p:cond delay="0" evt="onPrev">
                   <p:tgtEl>

--- a/src/files/Delfinen_mockup.pptx
+++ b/src/files/Delfinen_mockup.pptx
@@ -1439,19 +1439,7 @@
               <a:rPr b="0" lang="da-DK" sz="3200" spc="-1" strike="noStrike">
                 <a:latin typeface="Arial"/>
               </a:rPr>
-              <a:t>Klik for at redigere </a:t>
-            </a:r>
-            <a:r>
-              <a:rPr b="0" lang="da-DK" sz="3200" spc="-1" strike="noStrike">
-                <a:latin typeface="Arial"/>
-              </a:rPr>
-              <a:t>dispositionstekstens </a:t>
-            </a:r>
-            <a:r>
-              <a:rPr b="0" lang="da-DK" sz="3200" spc="-1" strike="noStrike">
-                <a:latin typeface="Arial"/>
-              </a:rPr>
-              <a:t>format</a:t>
+              <a:t>Klik for at redigere dispositionstekstens format</a:t>
             </a:r>
             <a:endParaRPr b="0" lang="da-DK" sz="3200" spc="-1" strike="noStrike">
               <a:latin typeface="Arial"/>
@@ -1561,13 +1549,7 @@
               <a:rPr b="0" lang="da-DK" sz="2000" spc="-1" strike="noStrike">
                 <a:latin typeface="Arial"/>
               </a:rPr>
-              <a:t>Sjette </a:t>
-            </a:r>
-            <a:r>
-              <a:rPr b="0" lang="da-DK" sz="2000" spc="-1" strike="noStrike">
-                <a:latin typeface="Arial"/>
-              </a:rPr>
-              <a:t>dispositionsniveau</a:t>
+              <a:t>Sjette dispositionsniveau</a:t>
             </a:r>
             <a:endParaRPr b="0" lang="da-DK" sz="2000" spc="-1" strike="noStrike">
               <a:latin typeface="Arial"/>
@@ -1589,13 +1571,7 @@
               <a:rPr b="0" lang="da-DK" sz="2000" spc="-1" strike="noStrike">
                 <a:latin typeface="Arial"/>
               </a:rPr>
-              <a:t>Syvende </a:t>
-            </a:r>
-            <a:r>
-              <a:rPr b="0" lang="da-DK" sz="2000" spc="-1" strike="noStrike">
-                <a:latin typeface="Arial"/>
-              </a:rPr>
-              <a:t>dispositionsniveau</a:t>
+              <a:t>Syvende dispositionsniveau</a:t>
             </a:r>
             <a:endParaRPr b="0" lang="da-DK" sz="2000" spc="-1" strike="noStrike">
               <a:latin typeface="Arial"/>
@@ -1695,7 +1671,7 @@
           <a:bodyPr lIns="0" rIns="0" tIns="0" bIns="0"/>
           <a:p>
             <a:pPr algn="r"/>
-            <a:fld id="{A51812B9-18EC-4C44-A437-DE98C2C83479}" type="slidenum">
+            <a:fld id="{0C06FE03-0543-408D-9B23-DF0728FE3EB1}" type="slidenum">
               <a:rPr b="0" lang="da-DK" sz="1400" spc="-1" strike="noStrike">
                 <a:latin typeface="Times New Roman"/>
               </a:rPr>
@@ -2744,6 +2720,20 @@
               </a:tblGrid>
               <a:tr h="449640">
                 <a:tc>
+                  <a:txBody>
+                    <a:bodyPr lIns="90000" rIns="90000" tIns="46800" bIns="46800"/>
+                    <a:p>
+                      <a:r>
+                        <a:rPr b="0" lang="da-DK" sz="1800" spc="-1" strike="noStrike">
+                          <a:latin typeface="Arial"/>
+                        </a:rPr>
+                        <a:t>Butterfly</a:t>
+                      </a:r>
+                      <a:endParaRPr b="0" lang="da-DK" sz="1800" spc="-1" strike="noStrike">
+                        <a:latin typeface="Arial"/>
+                      </a:endParaRPr>
+                    </a:p>
+                  </a:txBody>
                   <a:tcPr marL="90000" marR="90000">
                     <a:lnL w="720">
                       <a:solidFill>
@@ -2771,6 +2761,20 @@
                   </a:tcPr>
                 </a:tc>
                 <a:tc>
+                  <a:txBody>
+                    <a:bodyPr lIns="90000" rIns="90000" tIns="46800" bIns="46800"/>
+                    <a:p>
+                      <a:r>
+                        <a:rPr b="0" lang="da-DK" sz="1800" spc="-1" strike="noStrike">
+                          <a:latin typeface="Arial"/>
+                        </a:rPr>
+                        <a:t>Crawl</a:t>
+                      </a:r>
+                      <a:endParaRPr b="0" lang="da-DK" sz="1800" spc="-1" strike="noStrike">
+                        <a:latin typeface="Arial"/>
+                      </a:endParaRPr>
+                    </a:p>
+                  </a:txBody>
                   <a:tcPr marL="90000" marR="90000">
                     <a:lnL w="720">
                       <a:solidFill>
@@ -2798,6 +2802,20 @@
                   </a:tcPr>
                 </a:tc>
                 <a:tc>
+                  <a:txBody>
+                    <a:bodyPr lIns="90000" rIns="90000" tIns="46800" bIns="46800"/>
+                    <a:p>
+                      <a:r>
+                        <a:rPr b="0" lang="da-DK" sz="1800" spc="-1" strike="noStrike">
+                          <a:latin typeface="Arial"/>
+                        </a:rPr>
+                        <a:t>Rygcrawl</a:t>
+                      </a:r>
+                      <a:endParaRPr b="0" lang="da-DK" sz="1800" spc="-1" strike="noStrike">
+                        <a:latin typeface="Arial"/>
+                      </a:endParaRPr>
+                    </a:p>
+                  </a:txBody>
                   <a:tcPr marL="90000" marR="90000">
                     <a:lnL w="720">
                       <a:solidFill>
@@ -2825,6 +2843,20 @@
                   </a:tcPr>
                 </a:tc>
                 <a:tc>
+                  <a:txBody>
+                    <a:bodyPr lIns="90000" rIns="90000" tIns="46800" bIns="46800"/>
+                    <a:p>
+                      <a:r>
+                        <a:rPr b="0" lang="da-DK" sz="1800" spc="-1" strike="noStrike">
+                          <a:latin typeface="Arial"/>
+                        </a:rPr>
+                        <a:t>Brystsvømning</a:t>
+                      </a:r>
+                      <a:endParaRPr b="0" lang="da-DK" sz="1800" spc="-1" strike="noStrike">
+                        <a:latin typeface="Arial"/>
+                      </a:endParaRPr>
+                    </a:p>
+                  </a:txBody>
                   <a:tcPr marL="90000" marR="90000">
                     <a:lnL w="720">
                       <a:solidFill>
